--- a/Slides/Lecture 6-2.pptx
+++ b/Slides/Lecture 6-2.pptx
@@ -223,7 +223,7 @@
             <a:fld id="{A6781D3C-003D-4837-A496-9A32CDA8003A}" type="datetimeFigureOut">
               <a:rPr lang="en-US" smtClean="0"/>
               <a:pPr/>
-              <a:t>1/31/19</a:t>
+              <a:t>1/28/2019</a:t>
             </a:fld>
             <a:endParaRPr lang="en-US"/>
           </a:p>
@@ -4204,6 +4204,13 @@
   <p:clrMapOvr>
     <a:masterClrMapping/>
   </p:clrMapOvr>
+  <p:timing>
+    <p:tnLst>
+      <p:par>
+        <p:cTn id="1" dur="indefinite" restart="never" nodeType="tmRoot"/>
+      </p:par>
+    </p:tnLst>
+  </p:timing>
 </p:sld>
 </file>
 
@@ -4299,6 +4306,13 @@
   <p:clrMapOvr>
     <a:masterClrMapping/>
   </p:clrMapOvr>
+  <p:timing>
+    <p:tnLst>
+      <p:par>
+        <p:cTn id="1" dur="indefinite" restart="never" nodeType="tmRoot"/>
+      </p:par>
+    </p:tnLst>
+  </p:timing>
 </p:sld>
 </file>
 
@@ -4688,6 +4702,13 @@
   <p:clrMapOvr>
     <a:masterClrMapping/>
   </p:clrMapOvr>
+  <p:timing>
+    <p:tnLst>
+      <p:par>
+        <p:cTn id="1" dur="indefinite" restart="never" nodeType="tmRoot"/>
+      </p:par>
+    </p:tnLst>
+  </p:timing>
 </p:sld>
 </file>
 
@@ -4801,6 +4822,13 @@
   <p:clrMapOvr>
     <a:masterClrMapping/>
   </p:clrMapOvr>
+  <p:timing>
+    <p:tnLst>
+      <p:par>
+        <p:cTn id="1" dur="indefinite" restart="never" nodeType="tmRoot"/>
+      </p:par>
+    </p:tnLst>
+  </p:timing>
 </p:sld>
 </file>
 
@@ -5057,6 +5085,13 @@
   <p:clrMapOvr>
     <a:masterClrMapping/>
   </p:clrMapOvr>
+  <p:timing>
+    <p:tnLst>
+      <p:par>
+        <p:cTn id="1" dur="indefinite" restart="never" nodeType="tmRoot"/>
+      </p:par>
+    </p:tnLst>
+  </p:timing>
 </p:sld>
 </file>
 
@@ -5233,6 +5268,13 @@
   <p:clrMapOvr>
     <a:masterClrMapping/>
   </p:clrMapOvr>
+  <p:timing>
+    <p:tnLst>
+      <p:par>
+        <p:cTn id="1" dur="indefinite" restart="never" nodeType="tmRoot"/>
+      </p:par>
+    </p:tnLst>
+  </p:timing>
 </p:sld>
 </file>
 
@@ -5328,6 +5370,13 @@
   <p:clrMapOvr>
     <a:masterClrMapping/>
   </p:clrMapOvr>
+  <p:timing>
+    <p:tnLst>
+      <p:par>
+        <p:cTn id="1" dur="indefinite" restart="never" nodeType="tmRoot"/>
+      </p:par>
+    </p:tnLst>
+  </p:timing>
 </p:sld>
 </file>
 
@@ -5515,6 +5564,13 @@
   <p:clrMapOvr>
     <a:masterClrMapping/>
   </p:clrMapOvr>
+  <p:timing>
+    <p:tnLst>
+      <p:par>
+        <p:cTn id="1" dur="indefinite" restart="never" nodeType="tmRoot"/>
+      </p:par>
+    </p:tnLst>
+  </p:timing>
 </p:sld>
 </file>
 
@@ -5667,6 +5723,13 @@
   <p:clrMapOvr>
     <a:masterClrMapping/>
   </p:clrMapOvr>
+  <p:timing>
+    <p:tnLst>
+      <p:par>
+        <p:cTn id="1" dur="indefinite" restart="never" nodeType="tmRoot"/>
+      </p:par>
+    </p:tnLst>
+  </p:timing>
 </p:sld>
 </file>
 
@@ -5898,6 +5961,13 @@
   <p:clrMapOvr>
     <a:masterClrMapping/>
   </p:clrMapOvr>
+  <p:timing>
+    <p:tnLst>
+      <p:par>
+        <p:cTn id="1" dur="indefinite" restart="never" nodeType="tmRoot"/>
+      </p:par>
+    </p:tnLst>
+  </p:timing>
 </p:sld>
 </file>
 
@@ -6148,6 +6218,13 @@
   <p:clrMapOvr>
     <a:masterClrMapping/>
   </p:clrMapOvr>
+  <p:timing>
+    <p:tnLst>
+      <p:par>
+        <p:cTn id="1" dur="indefinite" restart="never" nodeType="tmRoot"/>
+      </p:par>
+    </p:tnLst>
+  </p:timing>
 </p:sld>
 </file>
 
